--- a/docs/deployment_guide/images/crest-infosolutions-cloudmeet-architecture-diagram.pptx
+++ b/docs/deployment_guide/images/crest-infosolutions-cloudmeet-architecture-diagram.pptx
@@ -224,7 +224,7 @@
           <a:p>
             <a:fld id="{49A7721D-1176-A640-AC48-B82F78C92D56}" type="datetimeFigureOut">
               <a:rPr lang="en-US" smtClean="0"/>
-              <a:t>3/30/2022</a:t>
+              <a:t>4/27/2022</a:t>
             </a:fld>
             <a:endParaRPr lang="en-US" dirty="0"/>
           </a:p>
@@ -401,7 +401,7 @@
           <a:p>
             <a:fld id="{C884A089-FB25-6D46-9D21-F0F04A18BCA8}" type="datetimeFigureOut">
               <a:rPr lang="en-US" smtClean="0"/>
-              <a:t>3/30/2022</a:t>
+              <a:t>4/27/2022</a:t>
             </a:fld>
             <a:endParaRPr lang="en-US" dirty="0"/>
           </a:p>
@@ -1033,7 +1033,7 @@
           <a:p>
             <a:fld id="{C764DE79-268F-4C1A-8933-263129D2AF90}" type="datetimeFigureOut">
               <a:rPr lang="en-US" dirty="0"/>
-              <a:t>3/30/2022</a:t>
+              <a:t>4/27/2022</a:t>
             </a:fld>
             <a:endParaRPr lang="en-US" dirty="0"/>
           </a:p>
@@ -1204,7 +1204,7 @@
           <a:p>
             <a:fld id="{C764DE79-268F-4C1A-8933-263129D2AF90}" type="datetimeFigureOut">
               <a:rPr lang="en-US" dirty="0"/>
-              <a:t>3/30/2022</a:t>
+              <a:t>4/27/2022</a:t>
             </a:fld>
             <a:endParaRPr lang="en-US" dirty="0"/>
           </a:p>
@@ -1385,7 +1385,7 @@
           <a:p>
             <a:fld id="{C764DE79-268F-4C1A-8933-263129D2AF90}" type="datetimeFigureOut">
               <a:rPr lang="en-US" dirty="0"/>
-              <a:t>3/30/2022</a:t>
+              <a:t>4/27/2022</a:t>
             </a:fld>
             <a:endParaRPr lang="en-US" dirty="0"/>
           </a:p>
@@ -1578,7 +1578,7 @@
           <a:p>
             <a:fld id="{C764DE79-268F-4C1A-8933-263129D2AF90}" type="datetimeFigureOut">
               <a:rPr lang="en-US" dirty="0"/>
-              <a:t>3/30/2022</a:t>
+              <a:t>4/27/2022</a:t>
             </a:fld>
             <a:endParaRPr lang="en-US" dirty="0"/>
           </a:p>
@@ -1749,7 +1749,7 @@
           <a:p>
             <a:fld id="{C764DE79-268F-4C1A-8933-263129D2AF90}" type="datetimeFigureOut">
               <a:rPr lang="en-US" dirty="0"/>
-              <a:t>3/30/2022</a:t>
+              <a:t>4/27/2022</a:t>
             </a:fld>
             <a:endParaRPr lang="en-US" dirty="0"/>
           </a:p>
@@ -1994,7 +1994,7 @@
           <a:p>
             <a:fld id="{C764DE79-268F-4C1A-8933-263129D2AF90}" type="datetimeFigureOut">
               <a:rPr lang="en-US" dirty="0"/>
-              <a:t>3/30/2022</a:t>
+              <a:t>4/27/2022</a:t>
             </a:fld>
             <a:endParaRPr lang="en-US" dirty="0"/>
           </a:p>
@@ -2227,7 +2227,7 @@
           <a:p>
             <a:fld id="{C764DE79-268F-4C1A-8933-263129D2AF90}" type="datetimeFigureOut">
               <a:rPr lang="en-US" dirty="0"/>
-              <a:t>3/30/2022</a:t>
+              <a:t>4/27/2022</a:t>
             </a:fld>
             <a:endParaRPr lang="en-US" dirty="0"/>
           </a:p>
@@ -2595,7 +2595,7 @@
           <a:p>
             <a:fld id="{C764DE79-268F-4C1A-8933-263129D2AF90}" type="datetimeFigureOut">
               <a:rPr lang="en-US" dirty="0"/>
-              <a:t>3/30/2022</a:t>
+              <a:t>4/27/2022</a:t>
             </a:fld>
             <a:endParaRPr lang="en-US" dirty="0"/>
           </a:p>
@@ -2714,7 +2714,7 @@
           <a:p>
             <a:fld id="{C764DE79-268F-4C1A-8933-263129D2AF90}" type="datetimeFigureOut">
               <a:rPr lang="en-US" dirty="0"/>
-              <a:t>3/30/2022</a:t>
+              <a:t>4/27/2022</a:t>
             </a:fld>
             <a:endParaRPr lang="en-US" dirty="0"/>
           </a:p>
@@ -3083,7 +3083,7 @@
           <a:p>
             <a:fld id="{C764DE79-268F-4C1A-8933-263129D2AF90}" type="datetimeFigureOut">
               <a:rPr lang="en-US" dirty="0"/>
-              <a:t>3/30/2022</a:t>
+              <a:t>4/27/2022</a:t>
             </a:fld>
             <a:endParaRPr lang="en-US" dirty="0"/>
           </a:p>
@@ -3617,7 +3617,7 @@
           <a:p>
             <a:fld id="{C764DE79-268F-4C1A-8933-263129D2AF90}" type="datetimeFigureOut">
               <a:rPr lang="en-US" dirty="0"/>
-              <a:t>3/30/2022</a:t>
+              <a:t>4/27/2022</a:t>
             </a:fld>
             <a:endParaRPr lang="en-US" dirty="0"/>
           </a:p>
@@ -4303,7 +4303,7 @@
         </p:nvSpPr>
         <p:spPr bwMode="auto">
           <a:xfrm>
-            <a:off x="2445493" y="4120698"/>
+            <a:off x="2445493" y="4114800"/>
             <a:ext cx="1234766" cy="261610"/>
           </a:xfrm>
           <a:prstGeom prst="rect">
@@ -4524,7 +4524,7 @@
         </p:nvSpPr>
         <p:spPr bwMode="auto">
           <a:xfrm>
-            <a:off x="6015129" y="4209020"/>
+            <a:off x="6015129" y="4114800"/>
             <a:ext cx="1234766" cy="261610"/>
           </a:xfrm>
           <a:prstGeom prst="rect">
@@ -4698,7 +4698,7 @@
         </p:blipFill>
         <p:spPr bwMode="auto">
           <a:xfrm>
-            <a:off x="6400800" y="3749040"/>
+            <a:off x="6400800" y="3657600"/>
             <a:ext cx="457200" cy="457200"/>
           </a:xfrm>
           <a:prstGeom prst="rect">
@@ -5436,7 +5436,7 @@
         </p:blipFill>
         <p:spPr bwMode="auto">
           <a:xfrm>
-            <a:off x="6217920" y="5394960"/>
+            <a:off x="6256419" y="5394960"/>
             <a:ext cx="762000" cy="762000"/>
           </a:xfrm>
           <a:prstGeom prst="rect">
@@ -5483,7 +5483,7 @@
         </p:nvSpPr>
         <p:spPr bwMode="auto">
           <a:xfrm>
-            <a:off x="5994677" y="6161281"/>
+            <a:off x="6028018" y="6161281"/>
             <a:ext cx="1212290" cy="276999"/>
           </a:xfrm>
           <a:prstGeom prst="rect">
